--- a/BootCamp_R_Slides_2019.pptx
+++ b/BootCamp_R_Slides_2019.pptx
@@ -8245,16 +8245,7 @@
                 </a:solidFill>
                 <a:latin typeface="Palatino Linotype" pitchFamily="18" charset="0"/>
               </a:rPr>
-              <a:t> </a:t>
-            </a:r>
-            <a:r>
-              <a:rPr lang="en-US" altLang="en-US" sz="3200" dirty="0" smtClean="0">
-                <a:solidFill>
-                  <a:schemeClr val="tx2"/>
-                </a:solidFill>
-                <a:latin typeface="Palatino Linotype" pitchFamily="18" charset="0"/>
-              </a:rPr>
-              <a:t>Analytical Solution Process</a:t>
+              <a:t> Analytical Solution Process</a:t>
             </a:r>
             <a:endParaRPr lang="en-US" altLang="en-US" sz="3200" dirty="0">
               <a:solidFill>
@@ -8542,12 +8533,6 @@
               </a:rPr>
               <a:t> </a:t>
             </a:r>
-            <a:endParaRPr lang="en-US" altLang="en-US" sz="1000" dirty="0" smtClean="0">
-              <a:solidFill>
-                <a:schemeClr val="tx2"/>
-              </a:solidFill>
-              <a:latin typeface="Palatino Linotype" pitchFamily="18" charset="0"/>
-            </a:endParaRPr>
           </a:p>
         </p:txBody>
       </p:sp>
@@ -20162,16 +20147,7 @@
                 </a:solidFill>
                 <a:latin typeface="Palatino Linotype" pitchFamily="18" charset="0"/>
               </a:rPr>
-              <a:t>The Role of Programming in Analytical Problem </a:t>
-            </a:r>
-            <a:r>
-              <a:rPr lang="en-US" altLang="en-US" sz="3200" dirty="0" smtClean="0">
-                <a:solidFill>
-                  <a:schemeClr val="tx2"/>
-                </a:solidFill>
-                <a:latin typeface="Palatino Linotype" pitchFamily="18" charset="0"/>
-              </a:rPr>
-              <a:t>Solving</a:t>
+              <a:t>The Role of Programming in Analytical Problem Solving</a:t>
             </a:r>
           </a:p>
           <a:p>
@@ -20188,12 +20164,6 @@
               </a:rPr>
               <a:t>Analytical Solution Process</a:t>
             </a:r>
-            <a:endParaRPr lang="en-US" altLang="en-US" sz="3200" dirty="0" smtClean="0">
-              <a:solidFill>
-                <a:schemeClr val="tx2"/>
-              </a:solidFill>
-              <a:latin typeface="Palatino Linotype" pitchFamily="18" charset="0"/>
-            </a:endParaRPr>
           </a:p>
         </p:txBody>
       </p:sp>
@@ -26263,14 +26233,6 @@
               </a:rPr>
               <a:t>)</a:t>
             </a:r>
-            <a:endParaRPr lang="en-US" sz="3200" dirty="0" smtClean="0">
-              <a:solidFill>
-                <a:schemeClr val="tx1"/>
-              </a:solidFill>
-              <a:latin typeface="Palatino Linotype" charset="0"/>
-              <a:ea typeface="Palatino Linotype" charset="0"/>
-              <a:cs typeface="Palatino Linotype" charset="0"/>
-            </a:endParaRPr>
           </a:p>
           <a:p>
             <a:pPr marL="0" lvl="1" indent="0"/>
@@ -37655,23 +37617,8 @@
                 </a:solidFill>
                 <a:latin typeface="Palatino Linotype" pitchFamily="18" charset="0"/>
               </a:rPr>
-              <a:t>: </a:t>
+              <a:t>: Exploratory Data Analysis </a:t>
             </a:r>
-            <a:r>
-              <a:rPr lang="en-US" altLang="en-US" sz="3200" dirty="0" smtClean="0">
-                <a:solidFill>
-                  <a:schemeClr val="tx2"/>
-                </a:solidFill>
-                <a:latin typeface="Palatino Linotype" pitchFamily="18" charset="0"/>
-              </a:rPr>
-              <a:t>Exploratory Data Analysis </a:t>
-            </a:r>
-            <a:endParaRPr lang="en-US" altLang="en-US" sz="3200" dirty="0" smtClean="0">
-              <a:solidFill>
-                <a:schemeClr val="tx2"/>
-              </a:solidFill>
-              <a:latin typeface="Palatino Linotype" pitchFamily="18" charset="0"/>
-            </a:endParaRPr>
           </a:p>
           <a:p>
             <a:pPr marL="457200" indent="-457200">
@@ -38362,16 +38309,7 @@
                 </a:solidFill>
                 <a:latin typeface="Palatino Linotype" pitchFamily="18" charset="0"/>
               </a:rPr>
-              <a:t>Train </a:t>
-            </a:r>
-            <a:r>
-              <a:rPr lang="en-US" altLang="en-US" sz="3200" dirty="0" smtClean="0">
-                <a:solidFill>
-                  <a:schemeClr val="tx2"/>
-                </a:solidFill>
-                <a:latin typeface="Palatino Linotype" pitchFamily="18" charset="0"/>
-              </a:rPr>
-              <a:t>Test Split</a:t>
+              <a:t>Train Test Split</a:t>
             </a:r>
           </a:p>
           <a:p>
@@ -38972,7 +38910,7 @@
         <p:spPr bwMode="auto">
           <a:xfrm>
             <a:off x="646657" y="1553168"/>
-            <a:ext cx="8153400" cy="1569660"/>
+            <a:ext cx="8153400" cy="3046988"/>
           </a:xfrm>
           <a:prstGeom prst="rect">
             <a:avLst/>
@@ -39016,7 +38954,9 @@
                 <a:solidFill>
                   <a:schemeClr val="tx2"/>
                 </a:solidFill>
-                <a:latin typeface="Palatino Linotype" pitchFamily="18" charset="0"/>
+                <a:latin typeface="Palatino Linotype" charset="0"/>
+                <a:ea typeface="Palatino Linotype" charset="0"/>
+                <a:cs typeface="Palatino Linotype" charset="0"/>
               </a:rPr>
               <a:t>Your Name and Major</a:t>
             </a:r>
@@ -39031,10 +38971,65 @@
                 <a:solidFill>
                   <a:schemeClr val="tx2"/>
                 </a:solidFill>
-                <a:latin typeface="Palatino Linotype" pitchFamily="18" charset="0"/>
+                <a:latin typeface="Palatino Linotype" charset="0"/>
+                <a:ea typeface="Palatino Linotype" charset="0"/>
+                <a:cs typeface="Palatino Linotype" charset="0"/>
               </a:rPr>
-              <a:t>What tasks do you expect R to help you with?</a:t>
+              <a:t>What tasks do you expect R to help you with</a:t>
             </a:r>
+            <a:r>
+              <a:rPr lang="en-US" altLang="en-US" sz="3200" dirty="0" smtClean="0">
+                <a:solidFill>
+                  <a:schemeClr val="tx2"/>
+                </a:solidFill>
+                <a:latin typeface="Palatino Linotype" charset="0"/>
+                <a:ea typeface="Palatino Linotype" charset="0"/>
+                <a:cs typeface="Palatino Linotype" charset="0"/>
+              </a:rPr>
+              <a:t>?</a:t>
+            </a:r>
+          </a:p>
+          <a:p>
+            <a:pPr marL="457200" indent="-457200">
+              <a:buFont typeface="Arial" charset="0"/>
+              <a:buChar char="•"/>
+            </a:pPr>
+            <a:r>
+              <a:rPr lang="en-US" altLang="en-US" sz="3200" dirty="0" smtClean="0">
+                <a:solidFill>
+                  <a:schemeClr val="tx2"/>
+                </a:solidFill>
+                <a:latin typeface="Palatino Linotype" charset="0"/>
+                <a:ea typeface="Palatino Linotype" charset="0"/>
+                <a:cs typeface="Palatino Linotype" charset="0"/>
+              </a:rPr>
+              <a:t>Online Discussion Chanel: </a:t>
+            </a:r>
+            <a:r>
+              <a:rPr lang="en-US" sz="3200" dirty="0">
+                <a:latin typeface="Palatino Linotype" charset="0"/>
+                <a:ea typeface="Palatino Linotype" charset="0"/>
+                <a:cs typeface="Palatino Linotype" charset="0"/>
+                <a:hlinkClick r:id="rId2"/>
+              </a:rPr>
+              <a:t>http://backchannelchat.com/Backchannel/p32wm</a:t>
+            </a:r>
+            <a:r>
+              <a:rPr lang="en-US" sz="3200" dirty="0">
+                <a:latin typeface="Palatino Linotype" charset="0"/>
+                <a:ea typeface="Palatino Linotype" charset="0"/>
+                <a:cs typeface="Palatino Linotype" charset="0"/>
+              </a:rPr>
+              <a:t> </a:t>
+            </a:r>
+            <a:endParaRPr lang="en-US" altLang="en-US" sz="3200" dirty="0" smtClean="0">
+              <a:solidFill>
+                <a:schemeClr val="tx2"/>
+              </a:solidFill>
+              <a:latin typeface="Palatino Linotype" charset="0"/>
+              <a:ea typeface="Palatino Linotype" charset="0"/>
+              <a:cs typeface="Palatino Linotype" charset="0"/>
+            </a:endParaRPr>
           </a:p>
         </p:txBody>
       </p:sp>
